--- a/images/posts/뉴스표지.pptx
+++ b/images/posts/뉴스표지.pptx
@@ -105,6 +105,11 @@
       </a:defRPr>
     </a:lvl9pPr>
   </p:defaultTextStyle>
+  <p:extLst>
+    <p:ext uri="{EFAFB233-063F-42B5-8137-9DF3F51BA10A}">
+      <p15:sldGuideLst xmlns:p15="http://schemas.microsoft.com/office/powerpoint/2012/main"/>
+    </p:ext>
+  </p:extLst>
 </p:presentation>
 </file>
 
@@ -255,7 +260,7 @@
           <a:p>
             <a:fld id="{6A4120E9-93D2-464F-A605-0193EEC8A049}" type="datetimeFigureOut">
               <a:rPr lang="ko-KR" altLang="en-US" smtClean="0"/>
-              <a:t>2025-05-12</a:t>
+              <a:t>2025-05-15</a:t>
             </a:fld>
             <a:endParaRPr lang="ko-KR" altLang="en-US"/>
           </a:p>
@@ -453,7 +458,7 @@
           <a:p>
             <a:fld id="{6A4120E9-93D2-464F-A605-0193EEC8A049}" type="datetimeFigureOut">
               <a:rPr lang="ko-KR" altLang="en-US" smtClean="0"/>
-              <a:t>2025-05-12</a:t>
+              <a:t>2025-05-15</a:t>
             </a:fld>
             <a:endParaRPr lang="ko-KR" altLang="en-US"/>
           </a:p>
@@ -661,7 +666,7 @@
           <a:p>
             <a:fld id="{6A4120E9-93D2-464F-A605-0193EEC8A049}" type="datetimeFigureOut">
               <a:rPr lang="ko-KR" altLang="en-US" smtClean="0"/>
-              <a:t>2025-05-12</a:t>
+              <a:t>2025-05-15</a:t>
             </a:fld>
             <a:endParaRPr lang="ko-KR" altLang="en-US"/>
           </a:p>
@@ -859,7 +864,7 @@
           <a:p>
             <a:fld id="{6A4120E9-93D2-464F-A605-0193EEC8A049}" type="datetimeFigureOut">
               <a:rPr lang="ko-KR" altLang="en-US" smtClean="0"/>
-              <a:t>2025-05-12</a:t>
+              <a:t>2025-05-15</a:t>
             </a:fld>
             <a:endParaRPr lang="ko-KR" altLang="en-US"/>
           </a:p>
@@ -1134,7 +1139,7 @@
           <a:p>
             <a:fld id="{6A4120E9-93D2-464F-A605-0193EEC8A049}" type="datetimeFigureOut">
               <a:rPr lang="ko-KR" altLang="en-US" smtClean="0"/>
-              <a:t>2025-05-12</a:t>
+              <a:t>2025-05-15</a:t>
             </a:fld>
             <a:endParaRPr lang="ko-KR" altLang="en-US"/>
           </a:p>
@@ -1399,7 +1404,7 @@
           <a:p>
             <a:fld id="{6A4120E9-93D2-464F-A605-0193EEC8A049}" type="datetimeFigureOut">
               <a:rPr lang="ko-KR" altLang="en-US" smtClean="0"/>
-              <a:t>2025-05-12</a:t>
+              <a:t>2025-05-15</a:t>
             </a:fld>
             <a:endParaRPr lang="ko-KR" altLang="en-US"/>
           </a:p>
@@ -1811,7 +1816,7 @@
           <a:p>
             <a:fld id="{6A4120E9-93D2-464F-A605-0193EEC8A049}" type="datetimeFigureOut">
               <a:rPr lang="ko-KR" altLang="en-US" smtClean="0"/>
-              <a:t>2025-05-12</a:t>
+              <a:t>2025-05-15</a:t>
             </a:fld>
             <a:endParaRPr lang="ko-KR" altLang="en-US"/>
           </a:p>
@@ -1952,7 +1957,7 @@
           <a:p>
             <a:fld id="{6A4120E9-93D2-464F-A605-0193EEC8A049}" type="datetimeFigureOut">
               <a:rPr lang="ko-KR" altLang="en-US" smtClean="0"/>
-              <a:t>2025-05-12</a:t>
+              <a:t>2025-05-15</a:t>
             </a:fld>
             <a:endParaRPr lang="ko-KR" altLang="en-US"/>
           </a:p>
@@ -2065,7 +2070,7 @@
           <a:p>
             <a:fld id="{6A4120E9-93D2-464F-A605-0193EEC8A049}" type="datetimeFigureOut">
               <a:rPr lang="ko-KR" altLang="en-US" smtClean="0"/>
-              <a:t>2025-05-12</a:t>
+              <a:t>2025-05-15</a:t>
             </a:fld>
             <a:endParaRPr lang="ko-KR" altLang="en-US"/>
           </a:p>
@@ -2376,7 +2381,7 @@
           <a:p>
             <a:fld id="{6A4120E9-93D2-464F-A605-0193EEC8A049}" type="datetimeFigureOut">
               <a:rPr lang="ko-KR" altLang="en-US" smtClean="0"/>
-              <a:t>2025-05-12</a:t>
+              <a:t>2025-05-15</a:t>
             </a:fld>
             <a:endParaRPr lang="ko-KR" altLang="en-US"/>
           </a:p>
@@ -2664,7 +2669,7 @@
           <a:p>
             <a:fld id="{6A4120E9-93D2-464F-A605-0193EEC8A049}" type="datetimeFigureOut">
               <a:rPr lang="ko-KR" altLang="en-US" smtClean="0"/>
-              <a:t>2025-05-12</a:t>
+              <a:t>2025-05-15</a:t>
             </a:fld>
             <a:endParaRPr lang="ko-KR" altLang="en-US"/>
           </a:p>
@@ -2905,7 +2910,7 @@
           <a:p>
             <a:fld id="{6A4120E9-93D2-464F-A605-0193EEC8A049}" type="datetimeFigureOut">
               <a:rPr lang="ko-KR" altLang="en-US" smtClean="0"/>
-              <a:t>2025-05-12</a:t>
+              <a:t>2025-05-15</a:t>
             </a:fld>
             <a:endParaRPr lang="ko-KR" altLang="en-US"/>
           </a:p>
@@ -3494,10 +3499,10 @@
       </p:grpSpPr>
       <p:pic>
         <p:nvPicPr>
-          <p:cNvPr id="5" name="그림 4">
-            <a:extLst>
-              <a:ext uri="{FF2B5EF4-FFF2-40B4-BE49-F238E27FC236}">
-                <a16:creationId xmlns:a16="http://schemas.microsoft.com/office/drawing/2014/main" id="{B723D142-F9EB-57B1-5327-2059E3D94889}"/>
+          <p:cNvPr id="3" name="그림 2">
+            <a:extLst>
+              <a:ext uri="{FF2B5EF4-FFF2-40B4-BE49-F238E27FC236}">
+                <a16:creationId xmlns:a16="http://schemas.microsoft.com/office/drawing/2014/main" id="{5D8A2F2C-3487-D7E5-97D1-AA69F5D43CA8}"/>
               </a:ext>
             </a:extLst>
           </p:cNvPr>
@@ -3508,14 +3513,13 @@
         </p:nvPicPr>
         <p:blipFill>
           <a:blip r:embed="rId2"/>
-          <a:stretch>
-            <a:fillRect/>
-          </a:stretch>
+          <a:srcRect t="237"/>
+          <a:stretch/>
         </p:blipFill>
         <p:spPr>
           <a:xfrm>
-            <a:off x="1038704" y="0"/>
-            <a:ext cx="10114592" cy="6858000"/>
+            <a:off x="1325880" y="822960"/>
+            <a:ext cx="9296400" cy="5224526"/>
           </a:xfrm>
           <a:prstGeom prst="rect">
             <a:avLst/>
